--- a/T2/Apresentação-T2.pptx
+++ b/T2/Apresentação-T2.pptx
@@ -8053,14 +8053,14 @@
           <p:nvPr>
             <p:extLst>
               <p:ext uri="{D42A27DB-BD31-4B8C-83A1-F6EECF244321}">
-                <p14:modId xmlns:p14="http://schemas.microsoft.com/office/powerpoint/2010/main" val="994023561"/>
+                <p14:modId xmlns:p14="http://schemas.microsoft.com/office/powerpoint/2010/main" val="1153304287"/>
               </p:ext>
             </p:extLst>
           </p:nvPr>
         </p:nvGraphicFramePr>
         <p:xfrm>
           <a:off x="1776461" y="2555701"/>
-          <a:ext cx="6636691" cy="3186760"/>
+          <a:ext cx="6636691" cy="3346450"/>
         </p:xfrm>
         <a:graphic>
           <a:graphicData uri="http://schemas.openxmlformats.org/drawingml/2006/table">
@@ -8117,16 +8117,18 @@
                         </a:spcAft>
                       </a:pPr>
                       <a:r>
-                        <a:rPr lang="pt-PT" sz="1100">
+                        <a:rPr lang="pt-PT" sz="1600">
                           <a:effectLst/>
+                          <a:latin typeface="Times New Roman" panose="02020603050405020304" pitchFamily="18" charset="0"/>
+                          <a:cs typeface="Times New Roman" panose="02020603050405020304" pitchFamily="18" charset="0"/>
                         </a:rPr>
                         <a:t>Básica</a:t>
                       </a:r>
-                      <a:endParaRPr lang="pt-PT" sz="1100">
+                      <a:endParaRPr lang="pt-PT" sz="1600">
                         <a:effectLst/>
-                        <a:latin typeface="Calibri"/>
+                        <a:latin typeface="Times New Roman" panose="02020603050405020304" pitchFamily="18" charset="0"/>
                         <a:ea typeface="Calibri"/>
-                        <a:cs typeface="Times New Roman"/>
+                        <a:cs typeface="Times New Roman" panose="02020603050405020304" pitchFamily="18" charset="0"/>
                       </a:endParaRPr>
                     </a:p>
                   </a:txBody>
@@ -8146,16 +8148,18 @@
                         </a:spcAft>
                       </a:pPr>
                       <a:r>
-                        <a:rPr lang="pt-PT" sz="1100">
+                        <a:rPr lang="pt-PT" sz="1600">
                           <a:effectLst/>
+                          <a:latin typeface="Times New Roman" panose="02020603050405020304" pitchFamily="18" charset="0"/>
+                          <a:cs typeface="Times New Roman" panose="02020603050405020304" pitchFamily="18" charset="0"/>
                         </a:rPr>
                         <a:t>Avançada</a:t>
                       </a:r>
-                      <a:endParaRPr lang="pt-PT" sz="1100">
+                      <a:endParaRPr lang="pt-PT" sz="1600">
                         <a:effectLst/>
-                        <a:latin typeface="Calibri"/>
+                        <a:latin typeface="Times New Roman" panose="02020603050405020304" pitchFamily="18" charset="0"/>
                         <a:ea typeface="Calibri"/>
-                        <a:cs typeface="Times New Roman"/>
+                        <a:cs typeface="Times New Roman" panose="02020603050405020304" pitchFamily="18" charset="0"/>
                       </a:endParaRPr>
                     </a:p>
                   </a:txBody>
@@ -8208,8 +8212,10 @@
                         <a:buChar char=""/>
                       </a:pPr>
                       <a:r>
-                        <a:rPr lang="pt-PT" sz="1100">
+                        <a:rPr lang="pt-PT" sz="1600">
                           <a:effectLst/>
+                          <a:latin typeface="Times New Roman" panose="02020603050405020304" pitchFamily="18" charset="0"/>
+                          <a:cs typeface="Times New Roman" panose="02020603050405020304" pitchFamily="18" charset="0"/>
                         </a:rPr>
                         <a:t>Comunicação entre máquinas.</a:t>
                       </a:r>
@@ -8224,16 +8230,18 @@
                         </a:spcAft>
                       </a:pPr>
                       <a:r>
-                        <a:rPr lang="pt-PT" sz="1100">
+                        <a:rPr lang="pt-PT" sz="1600">
                           <a:effectLst/>
+                          <a:latin typeface="Times New Roman" panose="02020603050405020304" pitchFamily="18" charset="0"/>
+                          <a:cs typeface="Times New Roman" panose="02020603050405020304" pitchFamily="18" charset="0"/>
                         </a:rPr>
                         <a:t>É importante atribuir identificadores de VLAN contíguos aos portos do interruptor ligado a esta rede.  </a:t>
                       </a:r>
-                      <a:endParaRPr lang="pt-PT" sz="1100">
+                      <a:endParaRPr lang="pt-PT" sz="1600">
                         <a:effectLst/>
-                        <a:latin typeface="Calibri"/>
+                        <a:latin typeface="Times New Roman" panose="02020603050405020304" pitchFamily="18" charset="0"/>
                         <a:ea typeface="Calibri"/>
-                        <a:cs typeface="Times New Roman"/>
+                        <a:cs typeface="Times New Roman" panose="02020603050405020304" pitchFamily="18" charset="0"/>
                       </a:endParaRPr>
                     </a:p>
                   </a:txBody>
@@ -8253,16 +8261,18 @@
                         </a:spcAft>
                       </a:pPr>
                       <a:r>
-                        <a:rPr lang="pt-PT" sz="1100">
+                        <a:rPr lang="pt-PT" sz="1600">
                           <a:effectLst/>
+                          <a:latin typeface="Times New Roman" panose="02020603050405020304" pitchFamily="18" charset="0"/>
+                          <a:cs typeface="Times New Roman" panose="02020603050405020304" pitchFamily="18" charset="0"/>
                         </a:rPr>
                         <a:t>Comunicação entre máquinas</a:t>
                       </a:r>
-                      <a:endParaRPr lang="pt-PT" sz="1100">
+                      <a:endParaRPr lang="pt-PT" sz="1600">
                         <a:effectLst/>
-                        <a:latin typeface="Calibri"/>
+                        <a:latin typeface="Times New Roman" panose="02020603050405020304" pitchFamily="18" charset="0"/>
                         <a:ea typeface="Calibri"/>
-                        <a:cs typeface="Times New Roman"/>
+                        <a:cs typeface="Times New Roman" panose="02020603050405020304" pitchFamily="18" charset="0"/>
                       </a:endParaRPr>
                     </a:p>
                   </a:txBody>
@@ -8313,16 +8323,18 @@
                         </a:spcAft>
                       </a:pPr>
                       <a:r>
-                        <a:rPr lang="pt-PT" sz="1100" dirty="0">
+                        <a:rPr lang="pt-PT" sz="1600" dirty="0">
                           <a:effectLst/>
+                          <a:latin typeface="Times New Roman" panose="02020603050405020304" pitchFamily="18" charset="0"/>
+                          <a:cs typeface="Times New Roman" panose="02020603050405020304" pitchFamily="18" charset="0"/>
                         </a:rPr>
                         <a:t>Para servir as máquinas virtuais que precisam de acesso à internet</a:t>
                       </a:r>
-                      <a:endParaRPr lang="pt-PT" sz="1100" dirty="0">
+                      <a:endParaRPr lang="pt-PT" sz="1600" dirty="0">
                         <a:effectLst/>
-                        <a:latin typeface="Calibri"/>
+                        <a:latin typeface="Times New Roman" panose="02020603050405020304" pitchFamily="18" charset="0"/>
                         <a:ea typeface="Calibri"/>
-                        <a:cs typeface="Times New Roman"/>
+                        <a:cs typeface="Times New Roman" panose="02020603050405020304" pitchFamily="18" charset="0"/>
                       </a:endParaRPr>
                     </a:p>
                   </a:txBody>
@@ -8383,16 +8395,18 @@
                         </a:spcAft>
                       </a:pPr>
                       <a:r>
-                        <a:rPr lang="pt-PT" sz="1100" dirty="0">
+                        <a:rPr lang="pt-PT" sz="1600" dirty="0">
                           <a:effectLst/>
+                          <a:latin typeface="Times New Roman" panose="02020603050405020304" pitchFamily="18" charset="0"/>
+                          <a:cs typeface="Times New Roman" panose="02020603050405020304" pitchFamily="18" charset="0"/>
                         </a:rPr>
                         <a:t>Para a front-end e os nós de virtualização (incluindo comunicações entre nós), bem como para o tráfego de armazenamento</a:t>
                       </a:r>
-                      <a:endParaRPr lang="pt-PT" sz="1100" dirty="0">
+                      <a:endParaRPr lang="pt-PT" sz="1600" dirty="0">
                         <a:effectLst/>
-                        <a:latin typeface="Calibri"/>
+                        <a:latin typeface="Times New Roman" panose="02020603050405020304" pitchFamily="18" charset="0"/>
                         <a:ea typeface="Calibri"/>
-                        <a:cs typeface="Times New Roman"/>
+                        <a:cs typeface="Times New Roman" panose="02020603050405020304" pitchFamily="18" charset="0"/>
                       </a:endParaRPr>
                     </a:p>
                   </a:txBody>
@@ -8453,16 +8467,18 @@
                         </a:spcAft>
                       </a:pPr>
                       <a:r>
-                        <a:rPr lang="pt-PT" sz="1100">
+                        <a:rPr lang="pt-PT" sz="1600">
                           <a:effectLst/>
+                          <a:latin typeface="Times New Roman" panose="02020603050405020304" pitchFamily="18" charset="0"/>
+                          <a:cs typeface="Times New Roman" panose="02020603050405020304" pitchFamily="18" charset="0"/>
                         </a:rPr>
                         <a:t>Para servir o Sistema de Ficheiros Partilhados para nós de virtualização (OPCIONAL)</a:t>
                       </a:r>
-                      <a:endParaRPr lang="pt-PT" sz="1100">
+                      <a:endParaRPr lang="pt-PT" sz="1600">
                         <a:effectLst/>
-                        <a:latin typeface="Calibri"/>
+                        <a:latin typeface="Times New Roman" panose="02020603050405020304" pitchFamily="18" charset="0"/>
                         <a:ea typeface="Calibri"/>
-                        <a:cs typeface="Times New Roman"/>
+                        <a:cs typeface="Times New Roman" panose="02020603050405020304" pitchFamily="18" charset="0"/>
                       </a:endParaRPr>
                     </a:p>
                   </a:txBody>
@@ -8482,28 +8498,34 @@
                         </a:spcAft>
                       </a:pPr>
                       <a:r>
-                        <a:rPr lang="pt-PT" sz="1100" dirty="0">
+                        <a:rPr lang="pt-PT" sz="1600" dirty="0">
                           <a:effectLst/>
+                          <a:latin typeface="Times New Roman" panose="02020603050405020304" pitchFamily="18" charset="0"/>
+                          <a:cs typeface="Times New Roman" panose="02020603050405020304" pitchFamily="18" charset="0"/>
                         </a:rPr>
                         <a:t>Para servir o </a:t>
                       </a:r>
                       <a:r>
-                        <a:rPr lang="pt-PT" sz="1100" dirty="0" err="1">
+                        <a:rPr lang="pt-PT" sz="1600" dirty="0" err="1">
                           <a:effectLst/>
+                          <a:latin typeface="Times New Roman" panose="02020603050405020304" pitchFamily="18" charset="0"/>
+                          <a:cs typeface="Times New Roman" panose="02020603050405020304" pitchFamily="18" charset="0"/>
                         </a:rPr>
                         <a:t>Ceph</a:t>
                       </a:r>
                       <a:r>
-                        <a:rPr lang="pt-PT" sz="1100" dirty="0">
+                        <a:rPr lang="pt-PT" sz="1600" dirty="0">
                           <a:effectLst/>
+                          <a:latin typeface="Times New Roman" panose="02020603050405020304" pitchFamily="18" charset="0"/>
+                          <a:cs typeface="Times New Roman" panose="02020603050405020304" pitchFamily="18" charset="0"/>
                         </a:rPr>
                         <a:t> pools para nós de virtualização</a:t>
                       </a:r>
-                      <a:endParaRPr lang="pt-PT" sz="1100" dirty="0">
+                      <a:endParaRPr lang="pt-PT" sz="1600" dirty="0">
                         <a:effectLst/>
-                        <a:latin typeface="Calibri"/>
+                        <a:latin typeface="Times New Roman" panose="02020603050405020304" pitchFamily="18" charset="0"/>
                         <a:ea typeface="Calibri"/>
-                        <a:cs typeface="Times New Roman"/>
+                        <a:cs typeface="Times New Roman" panose="02020603050405020304" pitchFamily="18" charset="0"/>
                       </a:endParaRPr>
                     </a:p>
                   </a:txBody>
